--- a/docs/presentation_slides.pptx
+++ b/docs/presentation_slides.pptx
@@ -134,7 +134,7 @@
   </p:defaultTextStyle>
   <p:extLst>
     <p:ext uri="{EFAFB233-063F-42B5-8137-9DF3F51BA10A}">
-      <p15:sldGuideLst xmlns="" xmlns:p15="http://schemas.microsoft.com/office/powerpoint/2012/main">
+      <p15:sldGuideLst xmlns:p15="http://schemas.microsoft.com/office/powerpoint/2012/main" xmlns="">
         <p15:guide id="1" orient="horz" pos="2160">
           <p15:clr>
             <a:srgbClr val="A4A3A4"/>
@@ -153,7 +153,7 @@
       </p15:sldGuideLst>
     </p:ext>
     <p:ext uri="{2D200454-40CA-4A62-9FC3-DE9A4176ACB9}">
-      <p15:notesGuideLst xmlns="" xmlns:p15="http://schemas.microsoft.com/office/powerpoint/2012/main">
+      <p15:notesGuideLst xmlns:p15="http://schemas.microsoft.com/office/powerpoint/2012/main" xmlns="">
         <p15:guide id="1" orient="horz" pos="2880">
           <p15:clr>
             <a:srgbClr val="A4A3A4"/>
@@ -253,7 +253,7 @@
             <a:fld id="{3CC3E3F2-CFAC-4B96-93BE-C4FCEE529209}" type="datetimeFigureOut">
               <a:rPr lang="en-US" smtClean="0"/>
               <a:pPr/>
-              <a:t>6/30/17</a:t>
+              <a:t>7/2/17</a:t>
             </a:fld>
             <a:endParaRPr lang="en-US"/>
           </a:p>
@@ -420,7 +420,7 @@
             <a:fld id="{4E7B5FCC-9116-4EB0-82EE-240C31BE59BE}" type="datetimeFigureOut">
               <a:rPr lang="en-US" smtClean="0"/>
               <a:pPr/>
-              <a:t>6/30/17</a:t>
+              <a:t>7/2/17</a:t>
             </a:fld>
             <a:endParaRPr lang="en-US"/>
           </a:p>
@@ -2988,7 +2988,7 @@
   </p:timing>
   <p:extLst mod="1">
     <p:ext uri="{DCECCB84-F9BA-43D5-87BE-67443E8EF086}">
-      <p15:sldGuideLst xmlns="" xmlns:p15="http://schemas.microsoft.com/office/powerpoint/2012/main">
+      <p15:sldGuideLst xmlns:p15="http://schemas.microsoft.com/office/powerpoint/2012/main" xmlns="">
         <p15:guide id="1" orient="horz" pos="2160" userDrawn="1">
           <p15:clr>
             <a:srgbClr val="FBAE40"/>
@@ -3984,7 +3984,7 @@
   </p:clrMapOvr>
   <p:extLst mod="1">
     <p:ext uri="{DCECCB84-F9BA-43D5-87BE-67443E8EF086}">
-      <p15:sldGuideLst xmlns="" xmlns:p15="http://schemas.microsoft.com/office/powerpoint/2012/main">
+      <p15:sldGuideLst xmlns:p15="http://schemas.microsoft.com/office/powerpoint/2012/main" xmlns="">
         <p15:guide id="1" orient="horz" pos="2160">
           <p15:clr>
             <a:srgbClr val="FBAE40"/>
@@ -4373,7 +4373,7 @@
   </p:clrMapOvr>
   <p:extLst mod="1">
     <p:ext uri="{DCECCB84-F9BA-43D5-87BE-67443E8EF086}">
-      <p15:sldGuideLst xmlns="" xmlns:p15="http://schemas.microsoft.com/office/powerpoint/2012/main">
+      <p15:sldGuideLst xmlns:p15="http://schemas.microsoft.com/office/powerpoint/2012/main" xmlns="">
         <p15:guide id="1" orient="horz" pos="2160">
           <p15:clr>
             <a:srgbClr val="FBAE40"/>
@@ -4762,7 +4762,7 @@
   </p:clrMapOvr>
   <p:extLst mod="1">
     <p:ext uri="{DCECCB84-F9BA-43D5-87BE-67443E8EF086}">
-      <p15:sldGuideLst xmlns="" xmlns:p15="http://schemas.microsoft.com/office/powerpoint/2012/main">
+      <p15:sldGuideLst xmlns:p15="http://schemas.microsoft.com/office/powerpoint/2012/main" xmlns="">
         <p15:guide id="1" orient="horz" pos="2160">
           <p15:clr>
             <a:srgbClr val="FBAE40"/>
@@ -4951,7 +4951,7 @@
   </p:clrMapOvr>
   <p:extLst mod="1">
     <p:ext uri="{DCECCB84-F9BA-43D5-87BE-67443E8EF086}">
-      <p15:sldGuideLst xmlns="" xmlns:p15="http://schemas.microsoft.com/office/powerpoint/2012/main">
+      <p15:sldGuideLst xmlns:p15="http://schemas.microsoft.com/office/powerpoint/2012/main" xmlns="">
         <p15:guide id="1" orient="horz" pos="2160">
           <p15:clr>
             <a:srgbClr val="FBAE40"/>
@@ -8893,7 +8893,7 @@
       </p:sp>
       <p:pic>
         <p:nvPicPr>
-          <p:cNvPr id="4" name="Picture 3" descr="example-2.png"/>
+          <p:cNvPr id="4" name="Picture 3"/>
           <p:cNvPicPr>
             <a:picLocks noChangeAspect="1"/>
           </p:cNvPicPr>
@@ -8913,8 +8913,8 @@
         </p:blipFill>
         <p:spPr>
           <a:xfrm>
-            <a:off x="5255869" y="977978"/>
-            <a:ext cx="3139440" cy="3784600"/>
+            <a:off x="5450784" y="977978"/>
+            <a:ext cx="2749609" cy="3784600"/>
           </a:xfrm>
           <a:prstGeom prst="rect">
             <a:avLst/>
@@ -9286,8 +9286,8 @@
         </p:blipFill>
         <p:spPr>
           <a:xfrm>
-            <a:off x="5572168" y="977978"/>
-            <a:ext cx="2506841" cy="3784600"/>
+            <a:off x="5572168" y="1069247"/>
+            <a:ext cx="2506841" cy="3602062"/>
           </a:xfrm>
           <a:prstGeom prst="rect">
             <a:avLst/>
@@ -10873,13 +10873,8 @@
             </a:pPr>
             <a:r>
               <a:rPr lang="en-US" dirty="0" smtClean="0"/>
-              <a:t>Idea borrowed from </a:t>
-            </a:r>
-            <a:r>
-              <a:rPr lang="en-US" dirty="0" smtClean="0"/>
-              <a:t>Machine Learning (ML)</a:t>
-            </a:r>
-            <a:endParaRPr lang="en-US" dirty="0" smtClean="0"/>
+              <a:t>Idea borrowed from Machine Learning (ML)</a:t>
+            </a:r>
           </a:p>
           <a:p>
             <a:pPr marL="285750" indent="-285750">
@@ -11947,7 +11942,7 @@
   <a:extraClrSchemeLst/>
   <a:extLst>
     <a:ext uri="{05A4C25C-085E-4340-85A3-A5531E510DB2}">
-      <thm15:themeFamily xmlns="" xmlns:thm15="http://schemas.microsoft.com/office/thememl/2012/main" name="Office Theme" id="{62F939B6-93AF-4DB8-9C6B-D6C7DFDC589F}" vid="{4A3C46E8-61CC-4603-A589-7422A47A8E4A}"/>
+      <thm15:themeFamily xmlns:thm15="http://schemas.microsoft.com/office/thememl/2012/main" xmlns="" name="Office Theme" id="{62F939B6-93AF-4DB8-9C6B-D6C7DFDC589F}" vid="{4A3C46E8-61CC-4603-A589-7422A47A8E4A}"/>
     </a:ext>
   </a:extLst>
 </a:theme>
@@ -12208,7 +12203,7 @@
   <a:extraClrSchemeLst/>
   <a:extLst>
     <a:ext uri="{05A4C25C-085E-4340-85A3-A5531E510DB2}">
-      <thm15:themeFamily xmlns="" xmlns:thm15="http://schemas.microsoft.com/office/thememl/2012/main" name="Office Theme" id="{62F939B6-93AF-4DB8-9C6B-D6C7DFDC589F}" vid="{4A3C46E8-61CC-4603-A589-7422A47A8E4A}"/>
+      <thm15:themeFamily xmlns:thm15="http://schemas.microsoft.com/office/thememl/2012/main" xmlns="" name="Office Theme" id="{62F939B6-93AF-4DB8-9C6B-D6C7DFDC589F}" vid="{4A3C46E8-61CC-4603-A589-7422A47A8E4A}"/>
     </a:ext>
   </a:extLst>
 </a:theme>
@@ -12469,7 +12464,7 @@
   <a:extraClrSchemeLst/>
   <a:extLst>
     <a:ext uri="{05A4C25C-085E-4340-85A3-A5531E510DB2}">
-      <thm15:themeFamily xmlns="" xmlns:thm15="http://schemas.microsoft.com/office/thememl/2012/main" name="Office Theme" id="{62F939B6-93AF-4DB8-9C6B-D6C7DFDC589F}" vid="{4A3C46E8-61CC-4603-A589-7422A47A8E4A}"/>
+      <thm15:themeFamily xmlns:thm15="http://schemas.microsoft.com/office/thememl/2012/main" xmlns="" name="Office Theme" id="{62F939B6-93AF-4DB8-9C6B-D6C7DFDC589F}" vid="{4A3C46E8-61CC-4603-A589-7422A47A8E4A}"/>
     </a:ext>
   </a:extLst>
 </a:theme>

--- a/docs/presentation_slides.pptx
+++ b/docs/presentation_slides.pptx
@@ -134,7 +134,7 @@
   </p:defaultTextStyle>
   <p:extLst>
     <p:ext uri="{EFAFB233-063F-42B5-8137-9DF3F51BA10A}">
-      <p15:sldGuideLst xmlns:p15="http://schemas.microsoft.com/office/powerpoint/2012/main" xmlns="">
+      <p15:sldGuideLst xmlns="" xmlns:p15="http://schemas.microsoft.com/office/powerpoint/2012/main">
         <p15:guide id="1" orient="horz" pos="2160">
           <p15:clr>
             <a:srgbClr val="A4A3A4"/>
@@ -153,7 +153,7 @@
       </p15:sldGuideLst>
     </p:ext>
     <p:ext uri="{2D200454-40CA-4A62-9FC3-DE9A4176ACB9}">
-      <p15:notesGuideLst xmlns:p15="http://schemas.microsoft.com/office/powerpoint/2012/main" xmlns="">
+      <p15:notesGuideLst xmlns="" xmlns:p15="http://schemas.microsoft.com/office/powerpoint/2012/main">
         <p15:guide id="1" orient="horz" pos="2880">
           <p15:clr>
             <a:srgbClr val="A4A3A4"/>
@@ -253,7 +253,7 @@
             <a:fld id="{3CC3E3F2-CFAC-4B96-93BE-C4FCEE529209}" type="datetimeFigureOut">
               <a:rPr lang="en-US" smtClean="0"/>
               <a:pPr/>
-              <a:t>7/2/17</a:t>
+              <a:t>7/3/17</a:t>
             </a:fld>
             <a:endParaRPr lang="en-US"/>
           </a:p>
@@ -420,7 +420,7 @@
             <a:fld id="{4E7B5FCC-9116-4EB0-82EE-240C31BE59BE}" type="datetimeFigureOut">
               <a:rPr lang="en-US" smtClean="0"/>
               <a:pPr/>
-              <a:t>7/2/17</a:t>
+              <a:t>7/3/17</a:t>
             </a:fld>
             <a:endParaRPr lang="en-US"/>
           </a:p>
@@ -2988,7 +2988,7 @@
   </p:timing>
   <p:extLst mod="1">
     <p:ext uri="{DCECCB84-F9BA-43D5-87BE-67443E8EF086}">
-      <p15:sldGuideLst xmlns:p15="http://schemas.microsoft.com/office/powerpoint/2012/main" xmlns="">
+      <p15:sldGuideLst xmlns="" xmlns:p15="http://schemas.microsoft.com/office/powerpoint/2012/main">
         <p15:guide id="1" orient="horz" pos="2160" userDrawn="1">
           <p15:clr>
             <a:srgbClr val="FBAE40"/>
@@ -3984,7 +3984,7 @@
   </p:clrMapOvr>
   <p:extLst mod="1">
     <p:ext uri="{DCECCB84-F9BA-43D5-87BE-67443E8EF086}">
-      <p15:sldGuideLst xmlns:p15="http://schemas.microsoft.com/office/powerpoint/2012/main" xmlns="">
+      <p15:sldGuideLst xmlns="" xmlns:p15="http://schemas.microsoft.com/office/powerpoint/2012/main">
         <p15:guide id="1" orient="horz" pos="2160">
           <p15:clr>
             <a:srgbClr val="FBAE40"/>
@@ -4373,7 +4373,7 @@
   </p:clrMapOvr>
   <p:extLst mod="1">
     <p:ext uri="{DCECCB84-F9BA-43D5-87BE-67443E8EF086}">
-      <p15:sldGuideLst xmlns:p15="http://schemas.microsoft.com/office/powerpoint/2012/main" xmlns="">
+      <p15:sldGuideLst xmlns="" xmlns:p15="http://schemas.microsoft.com/office/powerpoint/2012/main">
         <p15:guide id="1" orient="horz" pos="2160">
           <p15:clr>
             <a:srgbClr val="FBAE40"/>
@@ -4762,7 +4762,7 @@
   </p:clrMapOvr>
   <p:extLst mod="1">
     <p:ext uri="{DCECCB84-F9BA-43D5-87BE-67443E8EF086}">
-      <p15:sldGuideLst xmlns:p15="http://schemas.microsoft.com/office/powerpoint/2012/main" xmlns="">
+      <p15:sldGuideLst xmlns="" xmlns:p15="http://schemas.microsoft.com/office/powerpoint/2012/main">
         <p15:guide id="1" orient="horz" pos="2160">
           <p15:clr>
             <a:srgbClr val="FBAE40"/>
@@ -4951,7 +4951,7 @@
   </p:clrMapOvr>
   <p:extLst mod="1">
     <p:ext uri="{DCECCB84-F9BA-43D5-87BE-67443E8EF086}">
-      <p15:sldGuideLst xmlns:p15="http://schemas.microsoft.com/office/powerpoint/2012/main" xmlns="">
+      <p15:sldGuideLst xmlns="" xmlns:p15="http://schemas.microsoft.com/office/powerpoint/2012/main">
         <p15:guide id="1" orient="horz" pos="2160">
           <p15:clr>
             <a:srgbClr val="FBAE40"/>
@@ -9286,8 +9286,8 @@
         </p:blipFill>
         <p:spPr>
           <a:xfrm>
-            <a:off x="5572168" y="1069247"/>
-            <a:ext cx="2506841" cy="3602062"/>
+            <a:off x="5476917" y="1206211"/>
+            <a:ext cx="3139440" cy="2895600"/>
           </a:xfrm>
           <a:prstGeom prst="rect">
             <a:avLst/>
@@ -11942,7 +11942,7 @@
   <a:extraClrSchemeLst/>
   <a:extLst>
     <a:ext uri="{05A4C25C-085E-4340-85A3-A5531E510DB2}">
-      <thm15:themeFamily xmlns:thm15="http://schemas.microsoft.com/office/thememl/2012/main" xmlns="" name="Office Theme" id="{62F939B6-93AF-4DB8-9C6B-D6C7DFDC589F}" vid="{4A3C46E8-61CC-4603-A589-7422A47A8E4A}"/>
+      <thm15:themeFamily xmlns="" xmlns:thm15="http://schemas.microsoft.com/office/thememl/2012/main" name="Office Theme" id="{62F939B6-93AF-4DB8-9C6B-D6C7DFDC589F}" vid="{4A3C46E8-61CC-4603-A589-7422A47A8E4A}"/>
     </a:ext>
   </a:extLst>
 </a:theme>
@@ -12203,7 +12203,7 @@
   <a:extraClrSchemeLst/>
   <a:extLst>
     <a:ext uri="{05A4C25C-085E-4340-85A3-A5531E510DB2}">
-      <thm15:themeFamily xmlns:thm15="http://schemas.microsoft.com/office/thememl/2012/main" xmlns="" name="Office Theme" id="{62F939B6-93AF-4DB8-9C6B-D6C7DFDC589F}" vid="{4A3C46E8-61CC-4603-A589-7422A47A8E4A}"/>
+      <thm15:themeFamily xmlns="" xmlns:thm15="http://schemas.microsoft.com/office/thememl/2012/main" name="Office Theme" id="{62F939B6-93AF-4DB8-9C6B-D6C7DFDC589F}" vid="{4A3C46E8-61CC-4603-A589-7422A47A8E4A}"/>
     </a:ext>
   </a:extLst>
 </a:theme>
@@ -12464,7 +12464,7 @@
   <a:extraClrSchemeLst/>
   <a:extLst>
     <a:ext uri="{05A4C25C-085E-4340-85A3-A5531E510DB2}">
-      <thm15:themeFamily xmlns:thm15="http://schemas.microsoft.com/office/thememl/2012/main" xmlns="" name="Office Theme" id="{62F939B6-93AF-4DB8-9C6B-D6C7DFDC589F}" vid="{4A3C46E8-61CC-4603-A589-7422A47A8E4A}"/>
+      <thm15:themeFamily xmlns="" xmlns:thm15="http://schemas.microsoft.com/office/thememl/2012/main" name="Office Theme" id="{62F939B6-93AF-4DB8-9C6B-D6C7DFDC589F}" vid="{4A3C46E8-61CC-4603-A589-7422A47A8E4A}"/>
     </a:ext>
   </a:extLst>
 </a:theme>

--- a/docs/presentation_slides.pptx
+++ b/docs/presentation_slides.pptx
@@ -9356,7 +9356,7 @@
               <a:rPr lang="en-US" dirty="0" smtClean="0">
                 <a:hlinkClick r:id="rId4"/>
               </a:rPr>
-              <a:t>no attention</a:t>
+              <a:t>without attention</a:t>
             </a:r>
             <a:r>
               <a:rPr lang="en-US" dirty="0" smtClean="0"/>
@@ -9366,17 +9366,18 @@
               <a:rPr lang="en-US" dirty="0" smtClean="0">
                 <a:hlinkClick r:id="rId5"/>
               </a:rPr>
-              <a:t>MM only</a:t>
-            </a:r>
-            <a:r>
-              <a:rPr lang="en-US" dirty="0" smtClean="0"/>
-              <a:t>, </a:t>
-            </a:r>
-            <a:r>
+              <a:t>with </a:t>
+            </a:r>
+            <a:br>
               <a:rPr lang="en-US" dirty="0" smtClean="0">
-                <a:hlinkClick r:id="rId6"/>
+                <a:hlinkClick r:id="rId5"/>
               </a:rPr>
-              <a:t>MV + MM </a:t>
+            </a:br>
+            <a:r>
+              <a:rPr lang="en-US" dirty="0" smtClean="0">
+                <a:hlinkClick r:id="rId5"/>
+              </a:rPr>
+              <a:t>attention</a:t>
             </a:r>
             <a:endParaRPr lang="en-US" dirty="0"/>
           </a:p>
@@ -9391,7 +9392,7 @@
           <p:nvPr/>
         </p:nvPicPr>
         <p:blipFill>
-          <a:blip r:embed="rId7">
+          <a:blip r:embed="rId6">
             <a:extLst>
               <a:ext uri="{28A0092B-C50C-407E-A947-70E740481C1C}">
                 <a14:useLocalDpi xmlns:a14="http://schemas.microsoft.com/office/drawing/2010/main" val="0"/>

--- a/docs/presentation_slides.pptx
+++ b/docs/presentation_slides.pptx
@@ -134,7 +134,7 @@
   </p:defaultTextStyle>
   <p:extLst>
     <p:ext uri="{EFAFB233-063F-42B5-8137-9DF3F51BA10A}">
-      <p15:sldGuideLst xmlns="" xmlns:p15="http://schemas.microsoft.com/office/powerpoint/2012/main">
+      <p15:sldGuideLst xmlns:p15="http://schemas.microsoft.com/office/powerpoint/2012/main" xmlns="">
         <p15:guide id="1" orient="horz" pos="2160">
           <p15:clr>
             <a:srgbClr val="A4A3A4"/>
@@ -153,7 +153,7 @@
       </p15:sldGuideLst>
     </p:ext>
     <p:ext uri="{2D200454-40CA-4A62-9FC3-DE9A4176ACB9}">
-      <p15:notesGuideLst xmlns="" xmlns:p15="http://schemas.microsoft.com/office/powerpoint/2012/main">
+      <p15:notesGuideLst xmlns:p15="http://schemas.microsoft.com/office/powerpoint/2012/main" xmlns="">
         <p15:guide id="1" orient="horz" pos="2880">
           <p15:clr>
             <a:srgbClr val="A4A3A4"/>
@@ -253,7 +253,7 @@
             <a:fld id="{3CC3E3F2-CFAC-4B96-93BE-C4FCEE529209}" type="datetimeFigureOut">
               <a:rPr lang="en-US" smtClean="0"/>
               <a:pPr/>
-              <a:t>7/3/17</a:t>
+              <a:t>7/4/17</a:t>
             </a:fld>
             <a:endParaRPr lang="en-US"/>
           </a:p>
@@ -420,7 +420,7 @@
             <a:fld id="{4E7B5FCC-9116-4EB0-82EE-240C31BE59BE}" type="datetimeFigureOut">
               <a:rPr lang="en-US" smtClean="0"/>
               <a:pPr/>
-              <a:t>7/3/17</a:t>
+              <a:t>7/4/17</a:t>
             </a:fld>
             <a:endParaRPr lang="en-US"/>
           </a:p>
@@ -2988,7 +2988,7 @@
   </p:timing>
   <p:extLst mod="1">
     <p:ext uri="{DCECCB84-F9BA-43D5-87BE-67443E8EF086}">
-      <p15:sldGuideLst xmlns="" xmlns:p15="http://schemas.microsoft.com/office/powerpoint/2012/main">
+      <p15:sldGuideLst xmlns:p15="http://schemas.microsoft.com/office/powerpoint/2012/main" xmlns="">
         <p15:guide id="1" orient="horz" pos="2160" userDrawn="1">
           <p15:clr>
             <a:srgbClr val="FBAE40"/>
@@ -3984,7 +3984,7 @@
   </p:clrMapOvr>
   <p:extLst mod="1">
     <p:ext uri="{DCECCB84-F9BA-43D5-87BE-67443E8EF086}">
-      <p15:sldGuideLst xmlns="" xmlns:p15="http://schemas.microsoft.com/office/powerpoint/2012/main">
+      <p15:sldGuideLst xmlns:p15="http://schemas.microsoft.com/office/powerpoint/2012/main" xmlns="">
         <p15:guide id="1" orient="horz" pos="2160">
           <p15:clr>
             <a:srgbClr val="FBAE40"/>
@@ -4373,7 +4373,7 @@
   </p:clrMapOvr>
   <p:extLst mod="1">
     <p:ext uri="{DCECCB84-F9BA-43D5-87BE-67443E8EF086}">
-      <p15:sldGuideLst xmlns="" xmlns:p15="http://schemas.microsoft.com/office/powerpoint/2012/main">
+      <p15:sldGuideLst xmlns:p15="http://schemas.microsoft.com/office/powerpoint/2012/main" xmlns="">
         <p15:guide id="1" orient="horz" pos="2160">
           <p15:clr>
             <a:srgbClr val="FBAE40"/>
@@ -4762,7 +4762,7 @@
   </p:clrMapOvr>
   <p:extLst mod="1">
     <p:ext uri="{DCECCB84-F9BA-43D5-87BE-67443E8EF086}">
-      <p15:sldGuideLst xmlns="" xmlns:p15="http://schemas.microsoft.com/office/powerpoint/2012/main">
+      <p15:sldGuideLst xmlns:p15="http://schemas.microsoft.com/office/powerpoint/2012/main" xmlns="">
         <p15:guide id="1" orient="horz" pos="2160">
           <p15:clr>
             <a:srgbClr val="FBAE40"/>
@@ -4951,7 +4951,7 @@
   </p:clrMapOvr>
   <p:extLst mod="1">
     <p:ext uri="{DCECCB84-F9BA-43D5-87BE-67443E8EF086}">
-      <p15:sldGuideLst xmlns="" xmlns:p15="http://schemas.microsoft.com/office/powerpoint/2012/main">
+      <p15:sldGuideLst xmlns:p15="http://schemas.microsoft.com/office/powerpoint/2012/main" xmlns="">
         <p15:guide id="1" orient="horz" pos="2160">
           <p15:clr>
             <a:srgbClr val="FBAE40"/>
@@ -8913,8 +8913,8 @@
         </p:blipFill>
         <p:spPr>
           <a:xfrm>
-            <a:off x="5450784" y="977978"/>
-            <a:ext cx="2749609" cy="3784600"/>
+            <a:off x="5403159" y="1011294"/>
+            <a:ext cx="2749609" cy="3717968"/>
           </a:xfrm>
           <a:prstGeom prst="rect">
             <a:avLst/>
@@ -8929,8 +8929,8 @@
         </p:nvSpPr>
         <p:spPr>
           <a:xfrm>
-            <a:off x="525539" y="1021767"/>
-            <a:ext cx="4452476" cy="1754327"/>
+            <a:off x="525538" y="1016001"/>
+            <a:ext cx="4713211" cy="1754327"/>
           </a:xfrm>
           <a:prstGeom prst="rect">
             <a:avLst/>
@@ -8949,8 +8949,13 @@
             </a:pPr>
             <a:r>
               <a:rPr lang="en-US" dirty="0" smtClean="0"/>
-              <a:t>Hierarchical Model (Word to Sentence and sentence to document).</a:t>
-            </a:r>
+              <a:t>Hierarchical Model (Word to Sentence and sentence to document</a:t>
+            </a:r>
+            <a:r>
+              <a:rPr lang="en-US" dirty="0" smtClean="0"/>
+              <a:t>)</a:t>
+            </a:r>
+            <a:endParaRPr lang="en-US" dirty="0" smtClean="0"/>
           </a:p>
           <a:p>
             <a:pPr marL="285750" indent="-285750">
@@ -8959,7 +8964,11 @@
             </a:pPr>
             <a:r>
               <a:rPr lang="en-US" dirty="0" smtClean="0"/>
-              <a:t>Tried with and without Attention</a:t>
+              <a:t>Tried </a:t>
+            </a:r>
+            <a:r>
+              <a:rPr lang="en-US" dirty="0" smtClean="0"/>
+              <a:t>w/o Attention, Attention for sentence encoding, and attention for both sentence encoding and document compare</a:t>
             </a:r>
           </a:p>
           <a:p>
@@ -8969,17 +8978,11 @@
             </a:pPr>
             <a:r>
               <a:rPr lang="en-US" dirty="0" smtClean="0"/>
-              <a:t>Only used Matrix Matrix Attention</a:t>
-            </a:r>
-          </a:p>
-          <a:p>
-            <a:pPr marL="285750" indent="-285750">
-              <a:buFontTx/>
-              <a:buChar char="•"/>
-            </a:pPr>
-            <a:r>
-              <a:rPr lang="en-US" dirty="0" smtClean="0"/>
-              <a:t>Code in </a:t>
+              <a:t>Code </a:t>
+            </a:r>
+            <a:r>
+              <a:rPr lang="en-US" dirty="0" smtClean="0"/>
+              <a:t>in </a:t>
             </a:r>
             <a:r>
               <a:rPr lang="en-US" dirty="0" err="1" smtClean="0"/>
@@ -8993,7 +8996,7 @@
               <a:rPr lang="en-US" dirty="0" smtClean="0">
                 <a:hlinkClick r:id="rId4"/>
               </a:rPr>
-              <a:t>without attention</a:t>
+              <a:t>(a)</a:t>
             </a:r>
             <a:r>
               <a:rPr lang="en-US" dirty="0" smtClean="0"/>
@@ -9003,22 +9006,17 @@
               <a:rPr lang="en-US" dirty="0" smtClean="0">
                 <a:hlinkClick r:id="rId5"/>
               </a:rPr>
-              <a:t>with </a:t>
-            </a:r>
-            <a:br>
+              <a:t>(b)</a:t>
+            </a:r>
+            <a:r>
+              <a:rPr lang="en-US" dirty="0" smtClean="0"/>
+              <a:t>, </a:t>
+            </a:r>
+            <a:r>
               <a:rPr lang="en-US" dirty="0" smtClean="0">
-                <a:hlinkClick r:id="rId5"/>
+                <a:hlinkClick r:id="rId6"/>
               </a:rPr>
-            </a:br>
-            <a:r>
-              <a:rPr lang="en-US" dirty="0" smtClean="0">
-                <a:hlinkClick r:id="rId5"/>
-              </a:rPr>
-              <a:t>attention</a:t>
-            </a:r>
-            <a:r>
-              <a:rPr lang="en-US" dirty="0" smtClean="0"/>
-              <a:t>.</a:t>
+              <a:t>(c)</a:t>
             </a:r>
             <a:endParaRPr lang="en-US" dirty="0"/>
           </a:p>
@@ -9026,14 +9024,14 @@
       </p:sp>
       <p:pic>
         <p:nvPicPr>
-          <p:cNvPr id="6" name="Picture 5" descr="_results_2.png"/>
+          <p:cNvPr id="6" name="Picture 5"/>
           <p:cNvPicPr>
             <a:picLocks noChangeAspect="1"/>
           </p:cNvPicPr>
           <p:nvPr/>
         </p:nvPicPr>
         <p:blipFill>
-          <a:blip r:embed="rId6">
+          <a:blip r:embed="rId7">
             <a:extLst>
               <a:ext uri="{28A0092B-C50C-407E-A947-70E740481C1C}">
                 <a14:useLocalDpi xmlns:a14="http://schemas.microsoft.com/office/drawing/2010/main" val="0"/>
@@ -9046,7 +9044,7 @@
         </p:blipFill>
         <p:spPr>
           <a:xfrm>
-            <a:off x="2621027" y="2644775"/>
+            <a:off x="2859152" y="2889250"/>
             <a:ext cx="2964180" cy="2011680"/>
           </a:xfrm>
           <a:prstGeom prst="rect">
@@ -9332,8 +9330,17 @@
             </a:pPr>
             <a:r>
               <a:rPr lang="en-US" dirty="0" smtClean="0"/>
-              <a:t>Used Matrix Vector and Matrix Matrix Attention</a:t>
-            </a:r>
+              <a:t>Used </a:t>
+            </a:r>
+            <a:r>
+              <a:rPr lang="en-US" dirty="0" smtClean="0"/>
+              <a:t>Matrix Matrix </a:t>
+            </a:r>
+            <a:r>
+              <a:rPr lang="en-US" dirty="0" smtClean="0"/>
+              <a:t>Attention for comparison</a:t>
+            </a:r>
+            <a:endParaRPr lang="en-US" dirty="0" smtClean="0"/>
           </a:p>
           <a:p>
             <a:pPr marL="285750" indent="-285750">
@@ -9405,7 +9412,7 @@
         </p:blipFill>
         <p:spPr>
           <a:xfrm>
-            <a:off x="2621027" y="2644775"/>
+            <a:off x="2890902" y="2771775"/>
             <a:ext cx="2964180" cy="2011680"/>
           </a:xfrm>
           <a:prstGeom prst="rect">
@@ -10294,30 +10301,13 @@
               <a:t>Slides: </a:t>
             </a:r>
             <a:r>
-              <a:rPr lang="en-US" dirty="0">
-                <a:solidFill>
-                  <a:schemeClr val="tx1"/>
-                </a:solidFill>
-                <a:hlinkClick r:id="rId4"/>
-              </a:rPr>
-              <a:t>https://www.slideshare.net/sujitpal</a:t>
-            </a:r>
-            <a:r>
               <a:rPr lang="en-US" dirty="0" smtClean="0">
                 <a:solidFill>
                   <a:schemeClr val="tx1"/>
                 </a:solidFill>
                 <a:hlinkClick r:id="rId4"/>
               </a:rPr>
-              <a:t>/</a:t>
-            </a:r>
-            <a:r>
-              <a:rPr lang="en-US" dirty="0" smtClean="0">
-                <a:solidFill>
-                  <a:schemeClr val="tx1"/>
-                </a:solidFill>
-              </a:rPr>
-              <a:t> </a:t>
+              <a:t>https://www.slideshare.net/sujitpal/presentation-slides-77511261</a:t>
             </a:r>
             <a:endParaRPr lang="en-US" dirty="0">
               <a:solidFill>
@@ -11440,8 +11430,13 @@
             </a:pPr>
             <a:r>
               <a:rPr lang="en-US" dirty="0" smtClean="0"/>
-              <a:t>Bag of words – sum up word vectors across words.</a:t>
-            </a:r>
+              <a:t>Bag of words – </a:t>
+            </a:r>
+            <a:r>
+              <a:rPr lang="en-US" dirty="0" smtClean="0"/>
+              <a:t>concatenate word vectors together.</a:t>
+            </a:r>
+            <a:endParaRPr lang="en-US" dirty="0" smtClean="0"/>
           </a:p>
           <a:p>
             <a:pPr marL="285750" indent="-285750">
@@ -11633,7 +11628,15 @@
             </a:pPr>
             <a:r>
               <a:rPr lang="en-US" dirty="0" smtClean="0"/>
-              <a:t>Reduction operation – could be Flatten or Global Average/Max Pooling instead</a:t>
+              <a:t>Reduction operation – could be </a:t>
+            </a:r>
+            <a:r>
+              <a:rPr lang="en-US" dirty="0" smtClean="0"/>
+              <a:t>Sum </a:t>
+            </a:r>
+            <a:r>
+              <a:rPr lang="en-US" dirty="0" smtClean="0"/>
+              <a:t>or Global Average/Max Pooling instead</a:t>
             </a:r>
           </a:p>
           <a:p>
@@ -11943,7 +11946,7 @@
   <a:extraClrSchemeLst/>
   <a:extLst>
     <a:ext uri="{05A4C25C-085E-4340-85A3-A5531E510DB2}">
-      <thm15:themeFamily xmlns="" xmlns:thm15="http://schemas.microsoft.com/office/thememl/2012/main" name="Office Theme" id="{62F939B6-93AF-4DB8-9C6B-D6C7DFDC589F}" vid="{4A3C46E8-61CC-4603-A589-7422A47A8E4A}"/>
+      <thm15:themeFamily xmlns:thm15="http://schemas.microsoft.com/office/thememl/2012/main" xmlns="" name="Office Theme" id="{62F939B6-93AF-4DB8-9C6B-D6C7DFDC589F}" vid="{4A3C46E8-61CC-4603-A589-7422A47A8E4A}"/>
     </a:ext>
   </a:extLst>
 </a:theme>
@@ -12204,7 +12207,7 @@
   <a:extraClrSchemeLst/>
   <a:extLst>
     <a:ext uri="{05A4C25C-085E-4340-85A3-A5531E510DB2}">
-      <thm15:themeFamily xmlns="" xmlns:thm15="http://schemas.microsoft.com/office/thememl/2012/main" name="Office Theme" id="{62F939B6-93AF-4DB8-9C6B-D6C7DFDC589F}" vid="{4A3C46E8-61CC-4603-A589-7422A47A8E4A}"/>
+      <thm15:themeFamily xmlns:thm15="http://schemas.microsoft.com/office/thememl/2012/main" xmlns="" name="Office Theme" id="{62F939B6-93AF-4DB8-9C6B-D6C7DFDC589F}" vid="{4A3C46E8-61CC-4603-A589-7422A47A8E4A}"/>
     </a:ext>
   </a:extLst>
 </a:theme>
@@ -12465,7 +12468,7 @@
   <a:extraClrSchemeLst/>
   <a:extLst>
     <a:ext uri="{05A4C25C-085E-4340-85A3-A5531E510DB2}">
-      <thm15:themeFamily xmlns="" xmlns:thm15="http://schemas.microsoft.com/office/thememl/2012/main" name="Office Theme" id="{62F939B6-93AF-4DB8-9C6B-D6C7DFDC589F}" vid="{4A3C46E8-61CC-4603-A589-7422A47A8E4A}"/>
+      <thm15:themeFamily xmlns:thm15="http://schemas.microsoft.com/office/thememl/2012/main" xmlns="" name="Office Theme" id="{62F939B6-93AF-4DB8-9C6B-D6C7DFDC589F}" vid="{4A3C46E8-61CC-4603-A589-7422A47A8E4A}"/>
     </a:ext>
   </a:extLst>
 </a:theme>

--- a/docs/presentation_slides.pptx
+++ b/docs/presentation_slides.pptx
@@ -134,7 +134,7 @@
   </p:defaultTextStyle>
   <p:extLst>
     <p:ext uri="{EFAFB233-063F-42B5-8137-9DF3F51BA10A}">
-      <p15:sldGuideLst xmlns:p15="http://schemas.microsoft.com/office/powerpoint/2012/main" xmlns="">
+      <p15:sldGuideLst xmlns="" xmlns:p15="http://schemas.microsoft.com/office/powerpoint/2012/main">
         <p15:guide id="1" orient="horz" pos="2160">
           <p15:clr>
             <a:srgbClr val="A4A3A4"/>
@@ -153,7 +153,7 @@
       </p15:sldGuideLst>
     </p:ext>
     <p:ext uri="{2D200454-40CA-4A62-9FC3-DE9A4176ACB9}">
-      <p15:notesGuideLst xmlns:p15="http://schemas.microsoft.com/office/powerpoint/2012/main" xmlns="">
+      <p15:notesGuideLst xmlns="" xmlns:p15="http://schemas.microsoft.com/office/powerpoint/2012/main">
         <p15:guide id="1" orient="horz" pos="2880">
           <p15:clr>
             <a:srgbClr val="A4A3A4"/>
@@ -2988,7 +2988,7 @@
   </p:timing>
   <p:extLst mod="1">
     <p:ext uri="{DCECCB84-F9BA-43D5-87BE-67443E8EF086}">
-      <p15:sldGuideLst xmlns:p15="http://schemas.microsoft.com/office/powerpoint/2012/main" xmlns="">
+      <p15:sldGuideLst xmlns="" xmlns:p15="http://schemas.microsoft.com/office/powerpoint/2012/main">
         <p15:guide id="1" orient="horz" pos="2160" userDrawn="1">
           <p15:clr>
             <a:srgbClr val="FBAE40"/>
@@ -3984,7 +3984,7 @@
   </p:clrMapOvr>
   <p:extLst mod="1">
     <p:ext uri="{DCECCB84-F9BA-43D5-87BE-67443E8EF086}">
-      <p15:sldGuideLst xmlns:p15="http://schemas.microsoft.com/office/powerpoint/2012/main" xmlns="">
+      <p15:sldGuideLst xmlns="" xmlns:p15="http://schemas.microsoft.com/office/powerpoint/2012/main">
         <p15:guide id="1" orient="horz" pos="2160">
           <p15:clr>
             <a:srgbClr val="FBAE40"/>
@@ -4373,7 +4373,7 @@
   </p:clrMapOvr>
   <p:extLst mod="1">
     <p:ext uri="{DCECCB84-F9BA-43D5-87BE-67443E8EF086}">
-      <p15:sldGuideLst xmlns:p15="http://schemas.microsoft.com/office/powerpoint/2012/main" xmlns="">
+      <p15:sldGuideLst xmlns="" xmlns:p15="http://schemas.microsoft.com/office/powerpoint/2012/main">
         <p15:guide id="1" orient="horz" pos="2160">
           <p15:clr>
             <a:srgbClr val="FBAE40"/>
@@ -4762,7 +4762,7 @@
   </p:clrMapOvr>
   <p:extLst mod="1">
     <p:ext uri="{DCECCB84-F9BA-43D5-87BE-67443E8EF086}">
-      <p15:sldGuideLst xmlns:p15="http://schemas.microsoft.com/office/powerpoint/2012/main" xmlns="">
+      <p15:sldGuideLst xmlns="" xmlns:p15="http://schemas.microsoft.com/office/powerpoint/2012/main">
         <p15:guide id="1" orient="horz" pos="2160">
           <p15:clr>
             <a:srgbClr val="FBAE40"/>
@@ -4951,7 +4951,7 @@
   </p:clrMapOvr>
   <p:extLst mod="1">
     <p:ext uri="{DCECCB84-F9BA-43D5-87BE-67443E8EF086}">
-      <p15:sldGuideLst xmlns:p15="http://schemas.microsoft.com/office/powerpoint/2012/main" xmlns="">
+      <p15:sldGuideLst xmlns="" xmlns:p15="http://schemas.microsoft.com/office/powerpoint/2012/main">
         <p15:guide id="1" orient="horz" pos="2160">
           <p15:clr>
             <a:srgbClr val="FBAE40"/>
@@ -7606,8 +7606,8 @@
         </p:blipFill>
         <p:spPr>
           <a:xfrm>
-            <a:off x="5776913" y="2417448"/>
-            <a:ext cx="1435100" cy="2527300"/>
+            <a:off x="5789613" y="2417448"/>
+            <a:ext cx="1409700" cy="2527300"/>
           </a:xfrm>
           <a:prstGeom prst="rect">
             <a:avLst/>
@@ -8137,7 +8137,7 @@
         <p:spPr>
           <a:xfrm>
             <a:off x="817502" y="1301911"/>
-            <a:ext cx="3711272" cy="1477328"/>
+            <a:ext cx="3711272" cy="2585323"/>
           </a:xfrm>
           <a:prstGeom prst="rect">
             <a:avLst/>
@@ -8156,7 +8156,52 @@
             </a:pPr>
             <a:r>
               <a:rPr lang="en-US" dirty="0" smtClean="0"/>
-              <a:t>Embed, Predict</a:t>
+              <a:t>20 newsgroups dataset</a:t>
+            </a:r>
+          </a:p>
+          <a:p>
+            <a:pPr marL="742950" lvl="1" indent="-285750">
+              <a:buFontTx/>
+              <a:buChar char="•"/>
+            </a:pPr>
+            <a:r>
+              <a:rPr lang="en-US" dirty="0" smtClean="0"/>
+              <a:t>40k training records</a:t>
+            </a:r>
+          </a:p>
+          <a:p>
+            <a:pPr marL="742950" lvl="1" indent="-285750">
+              <a:buFontTx/>
+              <a:buChar char="•"/>
+            </a:pPr>
+            <a:r>
+              <a:rPr lang="en-US" dirty="0" smtClean="0"/>
+              <a:t>10k test records</a:t>
+            </a:r>
+          </a:p>
+          <a:p>
+            <a:pPr marL="742950" lvl="1" indent="-285750">
+              <a:buFontTx/>
+              <a:buChar char="•"/>
+            </a:pPr>
+            <a:r>
+              <a:rPr lang="en-US" dirty="0" smtClean="0"/>
+              <a:t>20 classes</a:t>
+            </a:r>
+            <a:endParaRPr lang="en-US" dirty="0" smtClean="0"/>
+          </a:p>
+          <a:p>
+            <a:pPr marL="285750" indent="-285750">
+              <a:buFontTx/>
+              <a:buChar char="•"/>
+            </a:pPr>
+            <a:r>
+              <a:rPr lang="en-US" dirty="0" smtClean="0"/>
+              <a:t>Embed</a:t>
+            </a:r>
+            <a:r>
+              <a:rPr lang="en-US" dirty="0" smtClean="0"/>
+              <a:t>, Predict</a:t>
             </a:r>
           </a:p>
           <a:p>
@@ -8444,8 +8489,8 @@
         </p:blipFill>
         <p:spPr>
           <a:xfrm>
-            <a:off x="4194495" y="1301911"/>
-            <a:ext cx="4579620" cy="2895600"/>
+            <a:off x="4194495" y="1320930"/>
+            <a:ext cx="4579620" cy="2857562"/>
           </a:xfrm>
           <a:prstGeom prst="rect">
             <a:avLst/>
@@ -8653,7 +8698,7 @@
       </p:sp>
       <p:pic>
         <p:nvPicPr>
-          <p:cNvPr id="4" name="Picture 3" descr="example-1-3.png"/>
+          <p:cNvPr id="4" name="Picture 3"/>
           <p:cNvPicPr>
             <a:picLocks noChangeAspect="1"/>
           </p:cNvPicPr>
@@ -8673,8 +8718,8 @@
         </p:blipFill>
         <p:spPr>
           <a:xfrm>
-            <a:off x="3589020" y="1007169"/>
-            <a:ext cx="5554980" cy="3512820"/>
+            <a:off x="3700145" y="1155589"/>
+            <a:ext cx="4686300" cy="2927350"/>
           </a:xfrm>
           <a:prstGeom prst="rect">
             <a:avLst/>
@@ -8930,7 +8975,7 @@
         <p:spPr>
           <a:xfrm>
             <a:off x="525538" y="1016001"/>
-            <a:ext cx="4713211" cy="1754327"/>
+            <a:ext cx="4713211" cy="2031325"/>
           </a:xfrm>
           <a:prstGeom prst="rect">
             <a:avLst/>
@@ -8949,13 +8994,8 @@
             </a:pPr>
             <a:r>
               <a:rPr lang="en-US" dirty="0" smtClean="0"/>
-              <a:t>Hierarchical Model (Word to Sentence and sentence to document</a:t>
-            </a:r>
-            <a:r>
-              <a:rPr lang="en-US" dirty="0" smtClean="0"/>
-              <a:t>)</a:t>
-            </a:r>
-            <a:endParaRPr lang="en-US" dirty="0" smtClean="0"/>
+              <a:t>Data derived from 20 newsgroups</a:t>
+            </a:r>
           </a:p>
           <a:p>
             <a:pPr marL="285750" indent="-285750">
@@ -8964,11 +9004,11 @@
             </a:pPr>
             <a:r>
               <a:rPr lang="en-US" dirty="0" smtClean="0"/>
-              <a:t>Tried </a:t>
-            </a:r>
-            <a:r>
-              <a:rPr lang="en-US" dirty="0" smtClean="0"/>
-              <a:t>w/o Attention, Attention for sentence encoding, and attention for both sentence encoding and document compare</a:t>
+              <a:t>Hierarchical </a:t>
+            </a:r>
+            <a:r>
+              <a:rPr lang="en-US" dirty="0" smtClean="0"/>
+              <a:t>Model (Word to Sentence and sentence to document)</a:t>
             </a:r>
           </a:p>
           <a:p>
@@ -8978,11 +9018,17 @@
             </a:pPr>
             <a:r>
               <a:rPr lang="en-US" dirty="0" smtClean="0"/>
-              <a:t>Code </a:t>
-            </a:r>
-            <a:r>
-              <a:rPr lang="en-US" dirty="0" smtClean="0"/>
-              <a:t>in </a:t>
+              <a:t>Tried w/o Attention, Attention for sentence encoding, and attention for both sentence encoding and document compare</a:t>
+            </a:r>
+          </a:p>
+          <a:p>
+            <a:pPr marL="285750" indent="-285750">
+              <a:buFontTx/>
+              <a:buChar char="•"/>
+            </a:pPr>
+            <a:r>
+              <a:rPr lang="en-US" dirty="0" smtClean="0"/>
+              <a:t>Code in </a:t>
             </a:r>
             <a:r>
               <a:rPr lang="en-US" dirty="0" err="1" smtClean="0"/>
@@ -9044,7 +9090,7 @@
         </p:blipFill>
         <p:spPr>
           <a:xfrm>
-            <a:off x="2859152" y="2889250"/>
+            <a:off x="2843277" y="3020695"/>
             <a:ext cx="2964180" cy="2011680"/>
           </a:xfrm>
           <a:prstGeom prst="rect">
@@ -9301,7 +9347,7 @@
         <p:spPr>
           <a:xfrm>
             <a:off x="525539" y="1021767"/>
-            <a:ext cx="4452476" cy="1754327"/>
+            <a:ext cx="4452476" cy="2031325"/>
           </a:xfrm>
           <a:prstGeom prst="rect">
             <a:avLst/>
@@ -9320,7 +9366,7 @@
             </a:pPr>
             <a:r>
               <a:rPr lang="en-US" dirty="0" smtClean="0"/>
-              <a:t>Hierarchical Model (Word to Sentence and sentence to document).</a:t>
+              <a:t>2012 Semantic Similarity Task dataset.</a:t>
             </a:r>
           </a:p>
           <a:p>
@@ -9330,17 +9376,22 @@
             </a:pPr>
             <a:r>
               <a:rPr lang="en-US" dirty="0" smtClean="0"/>
-              <a:t>Used </a:t>
-            </a:r>
-            <a:r>
-              <a:rPr lang="en-US" dirty="0" smtClean="0"/>
-              <a:t>Matrix Matrix </a:t>
-            </a:r>
-            <a:r>
-              <a:rPr lang="en-US" dirty="0" smtClean="0"/>
-              <a:t>Attention for comparison</a:t>
-            </a:r>
-            <a:endParaRPr lang="en-US" dirty="0" smtClean="0"/>
+              <a:t>Hierarchical </a:t>
+            </a:r>
+            <a:r>
+              <a:rPr lang="en-US" dirty="0" smtClean="0"/>
+              <a:t>Model (Word to Sentence and sentence to document).</a:t>
+            </a:r>
+          </a:p>
+          <a:p>
+            <a:pPr marL="285750" indent="-285750">
+              <a:buFontTx/>
+              <a:buChar char="•"/>
+            </a:pPr>
+            <a:r>
+              <a:rPr lang="en-US" dirty="0" smtClean="0"/>
+              <a:t>Used Matrix Matrix Attention for comparison</a:t>
+            </a:r>
           </a:p>
           <a:p>
             <a:pPr marL="285750" indent="-285750">
@@ -11430,13 +11481,8 @@
             </a:pPr>
             <a:r>
               <a:rPr lang="en-US" dirty="0" smtClean="0"/>
-              <a:t>Bag of words – </a:t>
-            </a:r>
-            <a:r>
-              <a:rPr lang="en-US" dirty="0" smtClean="0"/>
-              <a:t>concatenate word vectors together.</a:t>
-            </a:r>
-            <a:endParaRPr lang="en-US" dirty="0" smtClean="0"/>
+              <a:t>Bag of words – concatenate word vectors together.</a:t>
+            </a:r>
           </a:p>
           <a:p>
             <a:pPr marL="285750" indent="-285750">
@@ -11455,7 +11501,15 @@
             </a:pPr>
             <a:r>
               <a:rPr lang="en-US" dirty="0" smtClean="0"/>
-              <a:t>Each row of sentence matrix encodes the meaning of each word in the context of the sentence.</a:t>
+              <a:t>Each row of sentence matrix encodes the meaning of each word in the </a:t>
+            </a:r>
+            <a:r>
+              <a:rPr lang="en-US" b="1" dirty="0" smtClean="0"/>
+              <a:t>context of the sentence</a:t>
+            </a:r>
+            <a:r>
+              <a:rPr lang="en-US" dirty="0" smtClean="0"/>
+              <a:t>.</a:t>
             </a:r>
           </a:p>
           <a:p>
@@ -11628,15 +11682,7 @@
             </a:pPr>
             <a:r>
               <a:rPr lang="en-US" dirty="0" smtClean="0"/>
-              <a:t>Reduction operation – could be </a:t>
-            </a:r>
-            <a:r>
-              <a:rPr lang="en-US" dirty="0" smtClean="0"/>
-              <a:t>Sum </a:t>
-            </a:r>
-            <a:r>
-              <a:rPr lang="en-US" dirty="0" smtClean="0"/>
-              <a:t>or Global Average/Max Pooling instead</a:t>
+              <a:t>Reduction operation – could be Sum or Global Average/Max Pooling instead</a:t>
             </a:r>
           </a:p>
           <a:p>
@@ -11646,7 +11692,19 @@
             </a:pPr>
             <a:r>
               <a:rPr lang="en-US" dirty="0" smtClean="0"/>
-              <a:t>Attention takes as input auxiliary context vector. </a:t>
+              <a:t>Attention </a:t>
+            </a:r>
+            <a:r>
+              <a:rPr lang="en-US" dirty="0" smtClean="0"/>
+              <a:t>tells what to keep during reduction to </a:t>
+            </a:r>
+            <a:r>
+              <a:rPr lang="en-US" b="1" dirty="0" smtClean="0"/>
+              <a:t>minimize information loss</a:t>
+            </a:r>
+            <a:r>
+              <a:rPr lang="en-US" dirty="0" smtClean="0"/>
+              <a:t>.</a:t>
             </a:r>
           </a:p>
           <a:p>
@@ -11656,17 +11714,23 @@
             </a:pPr>
             <a:r>
               <a:rPr lang="en-US" dirty="0" smtClean="0"/>
-              <a:t>Attention tells what to keep during reduction to minimize information loss.</a:t>
-            </a:r>
-          </a:p>
-          <a:p>
-            <a:pPr marL="285750" indent="-285750">
-              <a:buFontTx/>
-              <a:buChar char="•"/>
-            </a:pPr>
-            <a:r>
-              <a:rPr lang="en-US" dirty="0" smtClean="0"/>
-              <a:t>Different kinds – matrix, matrix + context, matrix + vector, matrix + matrix.</a:t>
+              <a:t>Different kinds – matrix, matrix + </a:t>
+            </a:r>
+            <a:r>
+              <a:rPr lang="en-US" dirty="0" smtClean="0"/>
+              <a:t>context (learned), </a:t>
+            </a:r>
+            <a:r>
+              <a:rPr lang="en-US" dirty="0" smtClean="0"/>
+              <a:t>matrix + </a:t>
+            </a:r>
+            <a:r>
+              <a:rPr lang="en-US" dirty="0" smtClean="0"/>
+              <a:t>vector (provided), </a:t>
+            </a:r>
+            <a:r>
+              <a:rPr lang="en-US" dirty="0" smtClean="0"/>
+              <a:t>matrix + matrix.</a:t>
             </a:r>
           </a:p>
         </p:txBody>
@@ -11946,7 +12010,7 @@
   <a:extraClrSchemeLst/>
   <a:extLst>
     <a:ext uri="{05A4C25C-085E-4340-85A3-A5531E510DB2}">
-      <thm15:themeFamily xmlns:thm15="http://schemas.microsoft.com/office/thememl/2012/main" xmlns="" name="Office Theme" id="{62F939B6-93AF-4DB8-9C6B-D6C7DFDC589F}" vid="{4A3C46E8-61CC-4603-A589-7422A47A8E4A}"/>
+      <thm15:themeFamily xmlns="" xmlns:thm15="http://schemas.microsoft.com/office/thememl/2012/main" name="Office Theme" id="{62F939B6-93AF-4DB8-9C6B-D6C7DFDC589F}" vid="{4A3C46E8-61CC-4603-A589-7422A47A8E4A}"/>
     </a:ext>
   </a:extLst>
 </a:theme>
@@ -12207,7 +12271,7 @@
   <a:extraClrSchemeLst/>
   <a:extLst>
     <a:ext uri="{05A4C25C-085E-4340-85A3-A5531E510DB2}">
-      <thm15:themeFamily xmlns:thm15="http://schemas.microsoft.com/office/thememl/2012/main" xmlns="" name="Office Theme" id="{62F939B6-93AF-4DB8-9C6B-D6C7DFDC589F}" vid="{4A3C46E8-61CC-4603-A589-7422A47A8E4A}"/>
+      <thm15:themeFamily xmlns="" xmlns:thm15="http://schemas.microsoft.com/office/thememl/2012/main" name="Office Theme" id="{62F939B6-93AF-4DB8-9C6B-D6C7DFDC589F}" vid="{4A3C46E8-61CC-4603-A589-7422A47A8E4A}"/>
     </a:ext>
   </a:extLst>
 </a:theme>
@@ -12468,7 +12532,7 @@
   <a:extraClrSchemeLst/>
   <a:extLst>
     <a:ext uri="{05A4C25C-085E-4340-85A3-A5531E510DB2}">
-      <thm15:themeFamily xmlns:thm15="http://schemas.microsoft.com/office/thememl/2012/main" xmlns="" name="Office Theme" id="{62F939B6-93AF-4DB8-9C6B-D6C7DFDC589F}" vid="{4A3C46E8-61CC-4603-A589-7422A47A8E4A}"/>
+      <thm15:themeFamily xmlns="" xmlns:thm15="http://schemas.microsoft.com/office/thememl/2012/main" name="Office Theme" id="{62F939B6-93AF-4DB8-9C6B-D6C7DFDC589F}" vid="{4A3C46E8-61CC-4603-A589-7422A47A8E4A}"/>
     </a:ext>
   </a:extLst>
 </a:theme>
